--- a/Presentation 2.pptx
+++ b/Presentation 2.pptx
@@ -123,6 +123,7 @@
 <file path=ppt/revisionInfo.xml><?xml version="1.0" encoding="utf-8"?>
 <p1510:revInfo xmlns:a="http://schemas.openxmlformats.org/drawingml/2006/main" xmlns:r="http://schemas.openxmlformats.org/officeDocument/2006/relationships" xmlns:p1510="http://schemas.microsoft.com/office/powerpoint/2015/10/main">
   <p1510:revLst>
+    <p1510:client id="{8200F492-B484-48A7-8AAD-E804E55D5A83}" v="111" dt="2020-02-26T12:46:47.439"/>
     <p1510:client id="{867FA3D7-6D7A-4D7A-BADA-35266BE2F8D4}" v="531" dt="2020-02-06T16:07:25.814"/>
   </p1510:revLst>
 </p1510:revInfo>
@@ -322,7 +323,7 @@
           <a:p>
             <a:fld id="{ACF1A1B0-862D-4909-A7DB-D8ADA062DFCA}" type="datetimeFigureOut">
               <a:rPr lang="en-US" dirty="0"/>
-              <a:t>2/6/2020</a:t>
+              <a:t>2/26/2020</a:t>
             </a:fld>
             <a:endParaRPr lang="en-US" dirty="0"/>
           </a:p>
@@ -545,7 +546,7 @@
           <a:p>
             <a:fld id="{7B156144-9CB7-4E3A-B87E-A382F9BE05EF}" type="datetimeFigureOut">
               <a:rPr lang="en-US" dirty="0"/>
-              <a:t>2/6/2020</a:t>
+              <a:t>2/26/2020</a:t>
             </a:fld>
             <a:endParaRPr lang="en-US" dirty="0"/>
           </a:p>
@@ -723,7 +724,7 @@
           <a:p>
             <a:fld id="{2643D55F-46AB-4791-9172-4FA8DD3A6A9C}" type="datetimeFigureOut">
               <a:rPr lang="en-US" dirty="0"/>
-              <a:t>2/6/2020</a:t>
+              <a:t>2/26/2020</a:t>
             </a:fld>
             <a:endParaRPr lang="en-US" dirty="0"/>
           </a:p>
@@ -891,7 +892,7 @@
           <a:p>
             <a:fld id="{58026881-8A08-449C-8D73-E5F201F814C1}" type="datetimeFigureOut">
               <a:rPr lang="en-US" dirty="0"/>
-              <a:t>2/6/2020</a:t>
+              <a:t>2/26/2020</a:t>
             </a:fld>
             <a:endParaRPr lang="en-US" dirty="0"/>
           </a:p>
@@ -1181,7 +1182,7 @@
           <a:p>
             <a:fld id="{1BEB5A5E-0C07-4E93-A112-D37B4D166B30}" type="datetimeFigureOut">
               <a:rPr lang="en-US" dirty="0"/>
-              <a:t>2/6/2020</a:t>
+              <a:t>2/26/2020</a:t>
             </a:fld>
             <a:endParaRPr lang="en-US" dirty="0"/>
           </a:p>
@@ -1504,7 +1505,7 @@
           <a:p>
             <a:fld id="{9E1F71C5-DC57-4358-A1EA-30C08AF6E3C5}" type="datetimeFigureOut">
               <a:rPr lang="en-US" dirty="0"/>
-              <a:t>2/6/2020</a:t>
+              <a:t>2/26/2020</a:t>
             </a:fld>
             <a:endParaRPr lang="en-US" dirty="0"/>
           </a:p>
@@ -1913,7 +1914,7 @@
           <a:p>
             <a:fld id="{12571DBA-DE60-4731-B773-47AAA185C143}" type="datetimeFigureOut">
               <a:rPr lang="en-US" dirty="0"/>
-              <a:t>2/6/2020</a:t>
+              <a:t>2/26/2020</a:t>
             </a:fld>
             <a:endParaRPr lang="en-US" dirty="0"/>
           </a:p>
@@ -2030,7 +2031,7 @@
           <a:p>
             <a:fld id="{4F170639-886C-4FCF-9EAB-ABB5DA3F3F4A}" type="datetimeFigureOut">
               <a:rPr lang="en-US" dirty="0"/>
-              <a:t>2/6/2020</a:t>
+              <a:t>2/26/2020</a:t>
             </a:fld>
             <a:endParaRPr lang="en-US" dirty="0"/>
           </a:p>
@@ -2125,7 +2126,7 @@
           <a:p>
             <a:fld id="{34C4A628-C83B-4C66-83F4-1711CE3738FD}" type="datetimeFigureOut">
               <a:rPr lang="en-US" dirty="0"/>
-              <a:t>2/6/2020</a:t>
+              <a:t>2/26/2020</a:t>
             </a:fld>
             <a:endParaRPr lang="en-US" dirty="0"/>
           </a:p>
@@ -2410,7 +2411,7 @@
           <a:p>
             <a:fld id="{B88C1D73-9400-43CA-A37F-F9B7D00DE14C}" type="datetimeFigureOut">
               <a:rPr lang="en-US" dirty="0"/>
-              <a:t>2/6/2020</a:t>
+              <a:t>2/26/2020</a:t>
             </a:fld>
             <a:endParaRPr lang="en-US" dirty="0"/>
           </a:p>
@@ -2682,7 +2683,7 @@
           <a:p>
             <a:fld id="{188B7711-B905-4633-B4D7-6F3A49A2E7D9}" type="datetimeFigureOut">
               <a:rPr lang="en-US" dirty="0"/>
-              <a:t>2/6/2020</a:t>
+              <a:t>2/26/2020</a:t>
             </a:fld>
             <a:endParaRPr lang="en-US" dirty="0"/>
           </a:p>
@@ -2932,7 +2933,7 @@
             <a:fld id="{89C235CF-BDA2-4E7E-8BBD-350479985E74}" type="datetimeFigureOut">
               <a:rPr lang="en-US" dirty="0"/>
               <a:pPr/>
-              <a:t>2/6/2020</a:t>
+              <a:t>2/26/2020</a:t>
             </a:fld>
             <a:endParaRPr lang="en-US" dirty="0"/>
           </a:p>
@@ -3433,7 +3434,7 @@
           <a:p>
             <a:r>
               <a:rPr lang="en-US" dirty="0" err="1"/>
-              <a:t>Создание</a:t>
+              <a:t>Разработка</a:t>
             </a:r>
             <a:r>
               <a:rPr lang="en-US" dirty="0"/>
@@ -3560,18 +3561,51 @@
         <p:spPr/>
         <p:txBody>
           <a:bodyPr>
-            <a:normAutofit fontScale="90000"/>
+            <a:normAutofit/>
           </a:bodyPr>
           <a:lstStyle/>
           <a:p>
             <a:r>
-              <a:rPr lang="en-US" dirty="0"/>
-              <a:t>Цель: Полностью функционирующая </a:t>
-            </a:r>
-            <a:r>
-              <a:rPr lang="en-US"/>
-              <a:t>3D игра в окрытом доступе.</a:t>
-            </a:r>
+              <a:rPr lang="en-US" dirty="0" err="1"/>
+              <a:t>Цель</a:t>
+            </a:r>
+            <a:r>
+              <a:rPr lang="en-US" dirty="0"/>
+              <a:t>: </a:t>
+            </a:r>
+            <a:r>
+              <a:rPr lang="en-US" dirty="0" err="1"/>
+              <a:t>Создать</a:t>
+            </a:r>
+            <a:r>
+              <a:rPr lang="en-US" dirty="0"/>
+              <a:t> </a:t>
+            </a:r>
+            <a:r>
+              <a:rPr lang="en-US" dirty="0" err="1"/>
+              <a:t>полностью</a:t>
+            </a:r>
+            <a:r>
+              <a:rPr lang="en-US" dirty="0"/>
+              <a:t> </a:t>
+            </a:r>
+            <a:r>
+              <a:rPr lang="en-US" dirty="0" err="1"/>
+              <a:t>функционирующую</a:t>
+            </a:r>
+            <a:r>
+              <a:rPr lang="en-US" dirty="0"/>
+              <a:t> 3D </a:t>
+            </a:r>
+            <a:r>
+              <a:rPr lang="en-US" dirty="0" err="1"/>
+              <a:t>игру</a:t>
+            </a:r>
+            <a:r>
+              <a:rPr lang="en-US" dirty="0"/>
+              <a:t> </a:t>
+            </a:r>
+            <a:endParaRPr lang="en-US"/>
           </a:p>
         </p:txBody>
       </p:sp>
@@ -3599,39 +3633,137 @@
           <a:lstStyle/>
           <a:p>
             <a:r>
-              <a:rPr lang="en-US"/>
-              <a:t>Задачи:</a:t>
+              <a:rPr lang="en-US" sz="2400" dirty="0" err="1"/>
+              <a:t>Задачи</a:t>
+            </a:r>
+            <a:r>
+              <a:rPr lang="en-US" sz="2400" dirty="0"/>
+              <a:t>:</a:t>
             </a:r>
           </a:p>
           <a:p>
             <a:pPr lvl="1"/>
             <a:r>
-              <a:rPr lang="en-US"/>
-              <a:t>Изучить рынок видио-игр;</a:t>
-            </a:r>
-            <a:endParaRPr lang="en-US" dirty="0"/>
+              <a:rPr lang="en-US" sz="2000" dirty="0" err="1"/>
+              <a:t>Изучить</a:t>
+            </a:r>
+            <a:r>
+              <a:rPr lang="en-US" sz="2000" dirty="0"/>
+              <a:t> </a:t>
+            </a:r>
+            <a:r>
+              <a:rPr lang="en-US" sz="2000" dirty="0" err="1"/>
+              <a:t>рынок</a:t>
+            </a:r>
+            <a:r>
+              <a:rPr lang="en-US" sz="2000" dirty="0"/>
+              <a:t> </a:t>
+            </a:r>
+            <a:r>
+              <a:rPr lang="en-US" sz="2000" dirty="0" err="1"/>
+              <a:t>видеоигр</a:t>
+            </a:r>
+            <a:r>
+              <a:rPr lang="en-US" sz="2000" dirty="0"/>
+              <a:t>;</a:t>
+            </a:r>
           </a:p>
           <a:p>
             <a:pPr lvl="1"/>
             <a:r>
-              <a:rPr lang="en-US"/>
-              <a:t>Применить накопленые знания в проекте;</a:t>
-            </a:r>
-            <a:endParaRPr lang="en-US" dirty="0"/>
+              <a:rPr lang="en-US" sz="2000" dirty="0" err="1">
+                <a:ea typeface="+mn-lt"/>
+                <a:cs typeface="+mn-lt"/>
+              </a:rPr>
+              <a:t>Изучить</a:t>
+            </a:r>
+            <a:r>
+              <a:rPr lang="en-US" sz="2000" dirty="0">
+                <a:ea typeface="+mn-lt"/>
+                <a:cs typeface="+mn-lt"/>
+              </a:rPr>
+              <a:t> </a:t>
+            </a:r>
+            <a:r>
+              <a:rPr lang="en-US" sz="2000" dirty="0" err="1">
+                <a:ea typeface="+mn-lt"/>
+                <a:cs typeface="+mn-lt"/>
+              </a:rPr>
+              <a:t>возможности</a:t>
+            </a:r>
+            <a:r>
+              <a:rPr lang="en-US" sz="2000" dirty="0">
+                <a:ea typeface="+mn-lt"/>
+                <a:cs typeface="+mn-lt"/>
+              </a:rPr>
+              <a:t> </a:t>
+            </a:r>
+            <a:r>
+              <a:rPr lang="en-US" sz="2000" dirty="0" err="1">
+                <a:ea typeface="+mn-lt"/>
+                <a:cs typeface="+mn-lt"/>
+              </a:rPr>
+              <a:t>игрового</a:t>
+            </a:r>
+            <a:r>
+              <a:rPr lang="en-US" sz="2000" dirty="0">
+                <a:ea typeface="+mn-lt"/>
+                <a:cs typeface="+mn-lt"/>
+              </a:rPr>
+              <a:t> </a:t>
+            </a:r>
+            <a:r>
+              <a:rPr lang="en-US" sz="2000" dirty="0" err="1">
+                <a:ea typeface="+mn-lt"/>
+                <a:cs typeface="+mn-lt"/>
+              </a:rPr>
+              <a:t>движка</a:t>
+            </a:r>
+            <a:r>
+              <a:rPr lang="en-US" sz="2000" dirty="0">
+                <a:ea typeface="+mn-lt"/>
+                <a:cs typeface="+mn-lt"/>
+              </a:rPr>
+              <a:t> Unreal Engine 4;</a:t>
+            </a:r>
           </a:p>
           <a:p>
             <a:pPr lvl="1"/>
             <a:r>
-              <a:rPr lang="en-US"/>
-              <a:t>Улучшить владение языком программирования C++;</a:t>
+              <a:rPr lang="en-US" sz="2000" dirty="0" err="1"/>
+              <a:t>Улучшить</a:t>
+            </a:r>
+            <a:r>
+              <a:rPr lang="en-US" sz="2000" dirty="0"/>
+              <a:t> </a:t>
+            </a:r>
+            <a:r>
+              <a:rPr lang="en-US" sz="2000" dirty="0" err="1"/>
+              <a:t>владение</a:t>
+            </a:r>
+            <a:r>
+              <a:rPr lang="en-US" sz="2000" dirty="0"/>
+              <a:t> </a:t>
+            </a:r>
+            <a:r>
+              <a:rPr lang="en-US" sz="2000" dirty="0" err="1"/>
+              <a:t>языком</a:t>
+            </a:r>
+            <a:r>
+              <a:rPr lang="en-US" sz="2000" dirty="0"/>
+              <a:t> </a:t>
+            </a:r>
+            <a:r>
+              <a:rPr lang="en-US" sz="2000" dirty="0" err="1"/>
+              <a:t>программирования</a:t>
+            </a:r>
+            <a:r>
+              <a:rPr lang="en-US" sz="2000" dirty="0"/>
+              <a:t> C++.</a:t>
             </a:r>
           </a:p>
           <a:p>
             <a:pPr lvl="1"/>
-            <a:r>
-              <a:rPr lang="en-US"/>
-              <a:t>Познакомиться с игровым движком Unreal Engine 4;</a:t>
-            </a:r>
             <a:endParaRPr lang="en-US" dirty="0"/>
           </a:p>
           <a:p>
@@ -3962,25 +4094,410 @@
           <a:lstStyle/>
           <a:p>
             <a:r>
-              <a:rPr lang="en-US" sz="1600">
-                <a:ea typeface="+mn-lt"/>
-                <a:cs typeface="+mn-lt"/>
-              </a:rPr>
-              <a:t>Игровая индустрия продолжает свой рост. По </a:t>
-            </a:r>
-            <a:r>
-              <a:rPr lang="en-US" sz="1600" u="sng">
+              <a:rPr lang="en-US" sz="1600" dirty="0" err="1">
+                <a:ea typeface="+mn-lt"/>
+                <a:cs typeface="+mn-lt"/>
+              </a:rPr>
+              <a:t>Игровая</a:t>
+            </a:r>
+            <a:r>
+              <a:rPr lang="en-US" sz="1600" dirty="0">
+                <a:ea typeface="+mn-lt"/>
+                <a:cs typeface="+mn-lt"/>
+              </a:rPr>
+              <a:t> </a:t>
+            </a:r>
+            <a:r>
+              <a:rPr lang="en-US" sz="1600" dirty="0" err="1">
+                <a:ea typeface="+mn-lt"/>
+                <a:cs typeface="+mn-lt"/>
+              </a:rPr>
+              <a:t>индустрия</a:t>
+            </a:r>
+            <a:r>
+              <a:rPr lang="en-US" sz="1600" dirty="0">
+                <a:ea typeface="+mn-lt"/>
+                <a:cs typeface="+mn-lt"/>
+              </a:rPr>
+              <a:t> </a:t>
+            </a:r>
+            <a:r>
+              <a:rPr lang="en-US" sz="1600" dirty="0" err="1">
+                <a:ea typeface="+mn-lt"/>
+                <a:cs typeface="+mn-lt"/>
+              </a:rPr>
+              <a:t>продолжает</a:t>
+            </a:r>
+            <a:r>
+              <a:rPr lang="en-US" sz="1600" dirty="0">
+                <a:ea typeface="+mn-lt"/>
+                <a:cs typeface="+mn-lt"/>
+              </a:rPr>
+              <a:t> </a:t>
+            </a:r>
+            <a:r>
+              <a:rPr lang="en-US" sz="1600" dirty="0" err="1">
+                <a:ea typeface="+mn-lt"/>
+                <a:cs typeface="+mn-lt"/>
+              </a:rPr>
+              <a:t>свой</a:t>
+            </a:r>
+            <a:r>
+              <a:rPr lang="en-US" sz="1600" dirty="0">
+                <a:ea typeface="+mn-lt"/>
+                <a:cs typeface="+mn-lt"/>
+              </a:rPr>
+              <a:t> </a:t>
+            </a:r>
+            <a:r>
+              <a:rPr lang="en-US" sz="1600" dirty="0" err="1">
+                <a:ea typeface="+mn-lt"/>
+                <a:cs typeface="+mn-lt"/>
+              </a:rPr>
+              <a:t>рост</a:t>
+            </a:r>
+            <a:r>
+              <a:rPr lang="en-US" sz="1600" dirty="0">
+                <a:ea typeface="+mn-lt"/>
+                <a:cs typeface="+mn-lt"/>
+              </a:rPr>
+              <a:t>. </a:t>
+            </a:r>
+            <a:r>
+              <a:rPr lang="en-US" sz="1600" dirty="0" err="1">
+                <a:ea typeface="+mn-lt"/>
+                <a:cs typeface="+mn-lt"/>
+              </a:rPr>
+              <a:t>По</a:t>
+            </a:r>
+            <a:r>
+              <a:rPr lang="en-US" sz="1600" dirty="0">
+                <a:ea typeface="+mn-lt"/>
+                <a:cs typeface="+mn-lt"/>
+              </a:rPr>
+              <a:t> </a:t>
+            </a:r>
+            <a:r>
+              <a:rPr lang="en-US" sz="1600" u="sng" dirty="0" err="1">
                 <a:ea typeface="+mn-lt"/>
                 <a:cs typeface="+mn-lt"/>
               </a:rPr>
               <a:t>данным</a:t>
             </a:r>
             <a:r>
-              <a:rPr lang="en-US" sz="1600">
-                <a:ea typeface="+mn-lt"/>
-                <a:cs typeface="+mn-lt"/>
-              </a:rPr>
-              <a:t> Newzoo, в 2018-м объём всего рынка достиг 134,9 миллиардов долларов. Это на 10,9% больше, чем годом ранее. Впрочем, темпы роста индустрии остаются стабильными — в 2017-м её объём увеличился на 10,7%.</a:t>
+              <a:rPr lang="en-US" sz="1600" dirty="0">
+                <a:ea typeface="+mn-lt"/>
+                <a:cs typeface="+mn-lt"/>
+              </a:rPr>
+              <a:t> </a:t>
+            </a:r>
+            <a:r>
+              <a:rPr lang="en-US" sz="1600" dirty="0" err="1">
+                <a:ea typeface="+mn-lt"/>
+                <a:cs typeface="+mn-lt"/>
+              </a:rPr>
+              <a:t>Newzoo</a:t>
+            </a:r>
+            <a:r>
+              <a:rPr lang="en-US" sz="1600" dirty="0">
+                <a:ea typeface="+mn-lt"/>
+                <a:cs typeface="+mn-lt"/>
+              </a:rPr>
+              <a:t>, в 2018-м </a:t>
+            </a:r>
+            <a:r>
+              <a:rPr lang="en-US" sz="1600" dirty="0" err="1">
+                <a:ea typeface="+mn-lt"/>
+                <a:cs typeface="+mn-lt"/>
+              </a:rPr>
+              <a:t>объём</a:t>
+            </a:r>
+            <a:r>
+              <a:rPr lang="en-US" sz="1600" dirty="0">
+                <a:ea typeface="+mn-lt"/>
+                <a:cs typeface="+mn-lt"/>
+              </a:rPr>
+              <a:t> </a:t>
+            </a:r>
+            <a:r>
+              <a:rPr lang="en-US" sz="1600" dirty="0" err="1">
+                <a:ea typeface="+mn-lt"/>
+                <a:cs typeface="+mn-lt"/>
+              </a:rPr>
+              <a:t>всего</a:t>
+            </a:r>
+            <a:r>
+              <a:rPr lang="en-US" sz="1600" dirty="0">
+                <a:ea typeface="+mn-lt"/>
+                <a:cs typeface="+mn-lt"/>
+              </a:rPr>
+              <a:t> </a:t>
+            </a:r>
+            <a:r>
+              <a:rPr lang="en-US" sz="1600" dirty="0" err="1">
+                <a:ea typeface="+mn-lt"/>
+                <a:cs typeface="+mn-lt"/>
+              </a:rPr>
+              <a:t>рынка</a:t>
+            </a:r>
+            <a:r>
+              <a:rPr lang="en-US" sz="1600" dirty="0">
+                <a:ea typeface="+mn-lt"/>
+                <a:cs typeface="+mn-lt"/>
+              </a:rPr>
+              <a:t> </a:t>
+            </a:r>
+            <a:r>
+              <a:rPr lang="en-US" sz="1600" dirty="0" err="1">
+                <a:ea typeface="+mn-lt"/>
+                <a:cs typeface="+mn-lt"/>
+              </a:rPr>
+              <a:t>достиг</a:t>
+            </a:r>
+            <a:r>
+              <a:rPr lang="en-US" sz="1600" dirty="0">
+                <a:ea typeface="+mn-lt"/>
+                <a:cs typeface="+mn-lt"/>
+              </a:rPr>
+              <a:t> 134,9 </a:t>
+            </a:r>
+            <a:r>
+              <a:rPr lang="en-US" sz="1600" dirty="0" err="1">
+                <a:ea typeface="+mn-lt"/>
+                <a:cs typeface="+mn-lt"/>
+              </a:rPr>
+              <a:t>миллиардов</a:t>
+            </a:r>
+            <a:r>
+              <a:rPr lang="en-US" sz="1600" dirty="0">
+                <a:ea typeface="+mn-lt"/>
+                <a:cs typeface="+mn-lt"/>
+              </a:rPr>
+              <a:t> </a:t>
+            </a:r>
+            <a:r>
+              <a:rPr lang="en-US" sz="1600" dirty="0" err="1">
+                <a:ea typeface="+mn-lt"/>
+                <a:cs typeface="+mn-lt"/>
+              </a:rPr>
+              <a:t>долларов</a:t>
+            </a:r>
+            <a:r>
+              <a:rPr lang="en-US" sz="1600" dirty="0">
+                <a:ea typeface="+mn-lt"/>
+                <a:cs typeface="+mn-lt"/>
+              </a:rPr>
+              <a:t>. </a:t>
+            </a:r>
+            <a:r>
+              <a:rPr lang="en-US" sz="1600" dirty="0" err="1">
+                <a:ea typeface="+mn-lt"/>
+                <a:cs typeface="+mn-lt"/>
+              </a:rPr>
+              <a:t>Это</a:t>
+            </a:r>
+            <a:r>
+              <a:rPr lang="en-US" sz="1600" dirty="0">
+                <a:ea typeface="+mn-lt"/>
+                <a:cs typeface="+mn-lt"/>
+              </a:rPr>
+              <a:t> </a:t>
+            </a:r>
+            <a:r>
+              <a:rPr lang="en-US" sz="1600" dirty="0" err="1">
+                <a:ea typeface="+mn-lt"/>
+                <a:cs typeface="+mn-lt"/>
+              </a:rPr>
+              <a:t>на</a:t>
+            </a:r>
+            <a:r>
+              <a:rPr lang="en-US" sz="1600" dirty="0">
+                <a:ea typeface="+mn-lt"/>
+                <a:cs typeface="+mn-lt"/>
+              </a:rPr>
+              <a:t> 10,9% </a:t>
+            </a:r>
+            <a:r>
+              <a:rPr lang="en-US" sz="1600" dirty="0" err="1">
+                <a:ea typeface="+mn-lt"/>
+                <a:cs typeface="+mn-lt"/>
+              </a:rPr>
+              <a:t>больше</a:t>
+            </a:r>
+            <a:r>
+              <a:rPr lang="en-US" sz="1600" dirty="0">
+                <a:ea typeface="+mn-lt"/>
+                <a:cs typeface="+mn-lt"/>
+              </a:rPr>
+              <a:t>, </a:t>
+            </a:r>
+            <a:r>
+              <a:rPr lang="en-US" sz="1600" dirty="0" err="1">
+                <a:ea typeface="+mn-lt"/>
+                <a:cs typeface="+mn-lt"/>
+              </a:rPr>
+              <a:t>чем</a:t>
+            </a:r>
+            <a:r>
+              <a:rPr lang="en-US" sz="1600" dirty="0">
+                <a:ea typeface="+mn-lt"/>
+                <a:cs typeface="+mn-lt"/>
+              </a:rPr>
+              <a:t> </a:t>
+            </a:r>
+            <a:r>
+              <a:rPr lang="en-US" sz="1600" dirty="0" err="1">
+                <a:ea typeface="+mn-lt"/>
+                <a:cs typeface="+mn-lt"/>
+              </a:rPr>
+              <a:t>годом</a:t>
+            </a:r>
+            <a:r>
+              <a:rPr lang="en-US" sz="1600" dirty="0">
+                <a:ea typeface="+mn-lt"/>
+                <a:cs typeface="+mn-lt"/>
+              </a:rPr>
+              <a:t> </a:t>
+            </a:r>
+            <a:r>
+              <a:rPr lang="en-US" sz="1600" dirty="0" err="1">
+                <a:ea typeface="+mn-lt"/>
+                <a:cs typeface="+mn-lt"/>
+              </a:rPr>
+              <a:t>ранее</a:t>
+            </a:r>
+            <a:r>
+              <a:rPr lang="en-US" sz="1600" dirty="0">
+                <a:ea typeface="+mn-lt"/>
+                <a:cs typeface="+mn-lt"/>
+              </a:rPr>
+              <a:t>. </a:t>
+            </a:r>
+            <a:r>
+              <a:rPr lang="en-US" sz="1600" dirty="0" err="1">
+                <a:ea typeface="+mn-lt"/>
+                <a:cs typeface="+mn-lt"/>
+              </a:rPr>
+              <a:t>Темпы</a:t>
+            </a:r>
+            <a:r>
+              <a:rPr lang="en-US" sz="1600" dirty="0">
+                <a:ea typeface="+mn-lt"/>
+                <a:cs typeface="+mn-lt"/>
+              </a:rPr>
+              <a:t> </a:t>
+            </a:r>
+            <a:r>
+              <a:rPr lang="en-US" sz="1600" dirty="0" err="1">
+                <a:ea typeface="+mn-lt"/>
+                <a:cs typeface="+mn-lt"/>
+              </a:rPr>
+              <a:t>роста</a:t>
+            </a:r>
+            <a:r>
+              <a:rPr lang="en-US" sz="1600" dirty="0">
+                <a:ea typeface="+mn-lt"/>
+                <a:cs typeface="+mn-lt"/>
+              </a:rPr>
+              <a:t> </a:t>
+            </a:r>
+            <a:r>
+              <a:rPr lang="en-US" sz="1600" dirty="0" err="1">
+                <a:ea typeface="+mn-lt"/>
+                <a:cs typeface="+mn-lt"/>
+              </a:rPr>
+              <a:t>индустрии</a:t>
+            </a:r>
+            <a:r>
+              <a:rPr lang="en-US" sz="1600" dirty="0">
+                <a:ea typeface="+mn-lt"/>
+                <a:cs typeface="+mn-lt"/>
+              </a:rPr>
+              <a:t> </a:t>
+            </a:r>
+            <a:r>
+              <a:rPr lang="en-US" sz="1600" dirty="0" err="1">
+                <a:ea typeface="+mn-lt"/>
+                <a:cs typeface="+mn-lt"/>
+              </a:rPr>
+              <a:t>остаются</a:t>
+            </a:r>
+            <a:r>
+              <a:rPr lang="en-US" sz="1600" dirty="0">
+                <a:ea typeface="+mn-lt"/>
+                <a:cs typeface="+mn-lt"/>
+              </a:rPr>
+              <a:t> </a:t>
+            </a:r>
+            <a:r>
+              <a:rPr lang="en-US" sz="1600" dirty="0" err="1">
+                <a:ea typeface="+mn-lt"/>
+                <a:cs typeface="+mn-lt"/>
+              </a:rPr>
+              <a:t>стабильными</a:t>
+            </a:r>
+            <a:r>
+              <a:rPr lang="en-US" sz="1600" dirty="0">
+                <a:ea typeface="+mn-lt"/>
+                <a:cs typeface="+mn-lt"/>
+              </a:rPr>
+              <a:t> — в 2017-м </a:t>
+            </a:r>
+            <a:r>
+              <a:rPr lang="en-US" sz="1600" dirty="0" err="1">
+                <a:ea typeface="+mn-lt"/>
+                <a:cs typeface="+mn-lt"/>
+              </a:rPr>
+              <a:t>её</a:t>
+            </a:r>
+            <a:r>
+              <a:rPr lang="en-US" sz="1600" dirty="0">
+                <a:ea typeface="+mn-lt"/>
+                <a:cs typeface="+mn-lt"/>
+              </a:rPr>
+              <a:t> </a:t>
+            </a:r>
+            <a:r>
+              <a:rPr lang="en-US" sz="1600" dirty="0" err="1">
+                <a:ea typeface="+mn-lt"/>
+                <a:cs typeface="+mn-lt"/>
+              </a:rPr>
+              <a:t>объём</a:t>
+            </a:r>
+            <a:r>
+              <a:rPr lang="en-US" sz="1600" dirty="0">
+                <a:ea typeface="+mn-lt"/>
+                <a:cs typeface="+mn-lt"/>
+              </a:rPr>
+              <a:t> </a:t>
+            </a:r>
+            <a:r>
+              <a:rPr lang="en-US" sz="1600" dirty="0" err="1">
+                <a:ea typeface="+mn-lt"/>
+                <a:cs typeface="+mn-lt"/>
+              </a:rPr>
+              <a:t>увеличился</a:t>
+            </a:r>
+            <a:r>
+              <a:rPr lang="en-US" sz="1600" dirty="0">
+                <a:ea typeface="+mn-lt"/>
+                <a:cs typeface="+mn-lt"/>
+              </a:rPr>
+              <a:t> </a:t>
+            </a:r>
+            <a:r>
+              <a:rPr lang="en-US" sz="1600" dirty="0" err="1">
+                <a:ea typeface="+mn-lt"/>
+                <a:cs typeface="+mn-lt"/>
+              </a:rPr>
+              <a:t>на</a:t>
+            </a:r>
+            <a:r>
+              <a:rPr lang="en-US" sz="1600" dirty="0">
+                <a:ea typeface="+mn-lt"/>
+                <a:cs typeface="+mn-lt"/>
+              </a:rPr>
+              <a:t> 10,7%.</a:t>
             </a:r>
             <a:br>
               <a:rPr lang="en-US" sz="1600" dirty="0">
